--- a/Documentation/Images/Mecanum_Images.pptx
+++ b/Documentation/Images/Mecanum_Images.pptx
@@ -7,8 +7,10 @@
   <p:sldIdLst>
     <p:sldId id="256" r:id="rId2"/>
     <p:sldId id="257" r:id="rId3"/>
-    <p:sldId id="258" r:id="rId4"/>
-    <p:sldId id="262" r:id="rId5"/>
+    <p:sldId id="263" r:id="rId4"/>
+    <p:sldId id="264" r:id="rId5"/>
+    <p:sldId id="258" r:id="rId6"/>
+    <p:sldId id="262" r:id="rId7"/>
   </p:sldIdLst>
   <p:sldSz cx="12192000" cy="6858000"/>
   <p:notesSz cx="6858000" cy="9144000"/>
@@ -118,13 +120,123 @@
 <file path=ppt/revisionInfo.xml><?xml version="1.0" encoding="utf-8"?>
 <p1510:revInfo xmlns:a="http://schemas.openxmlformats.org/drawingml/2006/main" xmlns:r="http://schemas.openxmlformats.org/officeDocument/2006/relationships" xmlns:p1510="http://schemas.microsoft.com/office/powerpoint/2015/10/main">
   <p1510:revLst>
-    <p1510:client id="{214FBBCA-DA33-4A89-9C80-13FF7DA1BA85}" v="1" dt="2021-04-30T16:28:09.649"/>
+    <p1510:client id="{A32D92DA-AB7E-402E-AFA7-3BA5519375E5}" v="1" dt="2021-08-03T11:17:31.302"/>
   </p1510:revLst>
 </p1510:revInfo>
 </file>
 
 <file path=ppt/changesInfos/changesInfo1.xml><?xml version="1.0" encoding="utf-8"?>
 <pc:chgInfo xmlns:a="http://schemas.openxmlformats.org/drawingml/2006/main" xmlns:r="http://schemas.openxmlformats.org/officeDocument/2006/relationships" xmlns:ac="http://schemas.microsoft.com/office/drawing/2013/main/command" xmlns:pc="http://schemas.microsoft.com/office/powerpoint/2013/main/command">
+  <pc:docChgLst>
+    <pc:chgData name="Dr. Manel Puig i Vidal" userId="0d549d0e-cb25-4ad8-b3a5-db046c349dfe" providerId="ADAL" clId="{A32D92DA-AB7E-402E-AFA7-3BA5519375E5}"/>
+    <pc:docChg chg="custSel addSld modSld">
+      <pc:chgData name="Dr. Manel Puig i Vidal" userId="0d549d0e-cb25-4ad8-b3a5-db046c349dfe" providerId="ADAL" clId="{A32D92DA-AB7E-402E-AFA7-3BA5519375E5}" dt="2021-08-03T11:19:44.683" v="44" actId="1036"/>
+      <pc:docMkLst>
+        <pc:docMk/>
+      </pc:docMkLst>
+      <pc:sldChg chg="addSp delSp modSp mod">
+        <pc:chgData name="Dr. Manel Puig i Vidal" userId="0d549d0e-cb25-4ad8-b3a5-db046c349dfe" providerId="ADAL" clId="{A32D92DA-AB7E-402E-AFA7-3BA5519375E5}" dt="2021-08-03T11:19:44.683" v="44" actId="1036"/>
+        <pc:sldMkLst>
+          <pc:docMk/>
+          <pc:sldMk cId="3288817590" sldId="257"/>
+        </pc:sldMkLst>
+        <pc:picChg chg="del mod">
+          <ac:chgData name="Dr. Manel Puig i Vidal" userId="0d549d0e-cb25-4ad8-b3a5-db046c349dfe" providerId="ADAL" clId="{A32D92DA-AB7E-402E-AFA7-3BA5519375E5}" dt="2021-08-03T11:17:24.558" v="14" actId="21"/>
+          <ac:picMkLst>
+            <pc:docMk/>
+            <pc:sldMk cId="3288817590" sldId="257"/>
+            <ac:picMk id="3" creationId="{D927769E-DCF3-4F9A-8075-F590AA04FA64}"/>
+          </ac:picMkLst>
+        </pc:picChg>
+        <pc:picChg chg="add mod">
+          <ac:chgData name="Dr. Manel Puig i Vidal" userId="0d549d0e-cb25-4ad8-b3a5-db046c349dfe" providerId="ADAL" clId="{A32D92DA-AB7E-402E-AFA7-3BA5519375E5}" dt="2021-08-03T11:19:44.683" v="44" actId="1036"/>
+          <ac:picMkLst>
+            <pc:docMk/>
+            <pc:sldMk cId="3288817590" sldId="257"/>
+            <ac:picMk id="4" creationId="{BD5A579D-632A-486C-88FB-4C7B9BB66756}"/>
+          </ac:picMkLst>
+        </pc:picChg>
+        <pc:picChg chg="del mod">
+          <ac:chgData name="Dr. Manel Puig i Vidal" userId="0d549d0e-cb25-4ad8-b3a5-db046c349dfe" providerId="ADAL" clId="{A32D92DA-AB7E-402E-AFA7-3BA5519375E5}" dt="2021-08-03T11:17:24.558" v="14" actId="21"/>
+          <ac:picMkLst>
+            <pc:docMk/>
+            <pc:sldMk cId="3288817590" sldId="257"/>
+            <ac:picMk id="5" creationId="{B75DBB8B-3B78-49A5-9F6D-95478A41D8C3}"/>
+          </ac:picMkLst>
+        </pc:picChg>
+        <pc:picChg chg="del mod">
+          <ac:chgData name="Dr. Manel Puig i Vidal" userId="0d549d0e-cb25-4ad8-b3a5-db046c349dfe" providerId="ADAL" clId="{A32D92DA-AB7E-402E-AFA7-3BA5519375E5}" dt="2021-08-03T11:17:24.558" v="14" actId="21"/>
+          <ac:picMkLst>
+            <pc:docMk/>
+            <pc:sldMk cId="3288817590" sldId="257"/>
+            <ac:picMk id="7" creationId="{537CBAE9-E2B3-4FA3-B3E5-7867D6406295}"/>
+          </ac:picMkLst>
+        </pc:picChg>
+        <pc:picChg chg="add mod">
+          <ac:chgData name="Dr. Manel Puig i Vidal" userId="0d549d0e-cb25-4ad8-b3a5-db046c349dfe" providerId="ADAL" clId="{A32D92DA-AB7E-402E-AFA7-3BA5519375E5}" dt="2021-08-03T11:19:44.683" v="44" actId="1036"/>
+          <ac:picMkLst>
+            <pc:docMk/>
+            <pc:sldMk cId="3288817590" sldId="257"/>
+            <ac:picMk id="8" creationId="{593E3BDD-5ED6-422E-B4B9-1EF88DF10C94}"/>
+          </ac:picMkLst>
+        </pc:picChg>
+      </pc:sldChg>
+      <pc:sldChg chg="addSp modSp new mod">
+        <pc:chgData name="Dr. Manel Puig i Vidal" userId="0d549d0e-cb25-4ad8-b3a5-db046c349dfe" providerId="ADAL" clId="{A32D92DA-AB7E-402E-AFA7-3BA5519375E5}" dt="2021-08-03T11:18:25.885" v="22" actId="1076"/>
+        <pc:sldMkLst>
+          <pc:docMk/>
+          <pc:sldMk cId="2329590683" sldId="263"/>
+        </pc:sldMkLst>
+        <pc:picChg chg="add mod">
+          <ac:chgData name="Dr. Manel Puig i Vidal" userId="0d549d0e-cb25-4ad8-b3a5-db046c349dfe" providerId="ADAL" clId="{A32D92DA-AB7E-402E-AFA7-3BA5519375E5}" dt="2021-08-03T11:18:21.428" v="21" actId="1076"/>
+          <ac:picMkLst>
+            <pc:docMk/>
+            <pc:sldMk cId="2329590683" sldId="263"/>
+            <ac:picMk id="3" creationId="{354A659A-08A3-43A5-9847-BD37EC81DFDE}"/>
+          </ac:picMkLst>
+        </pc:picChg>
+        <pc:picChg chg="add mod">
+          <ac:chgData name="Dr. Manel Puig i Vidal" userId="0d549d0e-cb25-4ad8-b3a5-db046c349dfe" providerId="ADAL" clId="{A32D92DA-AB7E-402E-AFA7-3BA5519375E5}" dt="2021-08-03T11:18:25.885" v="22" actId="1076"/>
+          <ac:picMkLst>
+            <pc:docMk/>
+            <pc:sldMk cId="2329590683" sldId="263"/>
+            <ac:picMk id="5" creationId="{D75C9759-8C04-4BDA-AA54-582352963965}"/>
+          </ac:picMkLst>
+        </pc:picChg>
+      </pc:sldChg>
+      <pc:sldChg chg="addSp modSp new">
+        <pc:chgData name="Dr. Manel Puig i Vidal" userId="0d549d0e-cb25-4ad8-b3a5-db046c349dfe" providerId="ADAL" clId="{A32D92DA-AB7E-402E-AFA7-3BA5519375E5}" dt="2021-08-03T11:17:31.302" v="16"/>
+        <pc:sldMkLst>
+          <pc:docMk/>
+          <pc:sldMk cId="4011816797" sldId="264"/>
+        </pc:sldMkLst>
+        <pc:picChg chg="add mod">
+          <ac:chgData name="Dr. Manel Puig i Vidal" userId="0d549d0e-cb25-4ad8-b3a5-db046c349dfe" providerId="ADAL" clId="{A32D92DA-AB7E-402E-AFA7-3BA5519375E5}" dt="2021-08-03T11:17:31.302" v="16"/>
+          <ac:picMkLst>
+            <pc:docMk/>
+            <pc:sldMk cId="4011816797" sldId="264"/>
+            <ac:picMk id="2" creationId="{54008698-7B82-4808-B06A-1C1A72A08D76}"/>
+          </ac:picMkLst>
+        </pc:picChg>
+        <pc:picChg chg="add mod">
+          <ac:chgData name="Dr. Manel Puig i Vidal" userId="0d549d0e-cb25-4ad8-b3a5-db046c349dfe" providerId="ADAL" clId="{A32D92DA-AB7E-402E-AFA7-3BA5519375E5}" dt="2021-08-03T11:17:31.302" v="16"/>
+          <ac:picMkLst>
+            <pc:docMk/>
+            <pc:sldMk cId="4011816797" sldId="264"/>
+            <ac:picMk id="3" creationId="{0D083199-F003-41EB-9D24-CD4325EB2844}"/>
+          </ac:picMkLst>
+        </pc:picChg>
+        <pc:picChg chg="add mod">
+          <ac:chgData name="Dr. Manel Puig i Vidal" userId="0d549d0e-cb25-4ad8-b3a5-db046c349dfe" providerId="ADAL" clId="{A32D92DA-AB7E-402E-AFA7-3BA5519375E5}" dt="2021-08-03T11:17:31.302" v="16"/>
+          <ac:picMkLst>
+            <pc:docMk/>
+            <pc:sldMk cId="4011816797" sldId="264"/>
+            <ac:picMk id="4" creationId="{6A29C0F2-8F38-447E-A623-B80CDBAF2702}"/>
+          </ac:picMkLst>
+        </pc:picChg>
+      </pc:sldChg>
+    </pc:docChg>
+  </pc:docChgLst>
   <pc:docChgLst>
     <pc:chgData name="Dr. Manel Puig i Vidal" userId="0d549d0e-cb25-4ad8-b3a5-db046c349dfe" providerId="ADAL" clId="{214FBBCA-DA33-4A89-9C80-13FF7DA1BA85}"/>
     <pc:docChg chg="addSld modSld">
@@ -387,7 +499,7 @@
           <a:p>
             <a:fld id="{1C047EFF-C005-42C2-96C9-4E7CFE047116}" type="datetimeFigureOut">
               <a:rPr lang="es-ES" smtClean="0"/>
-              <a:t>30/04/2021</a:t>
+              <a:t>03/08/2021</a:t>
             </a:fld>
             <a:endParaRPr lang="es-ES"/>
           </a:p>
@@ -585,7 +697,7 @@
           <a:p>
             <a:fld id="{1C047EFF-C005-42C2-96C9-4E7CFE047116}" type="datetimeFigureOut">
               <a:rPr lang="es-ES" smtClean="0"/>
-              <a:t>30/04/2021</a:t>
+              <a:t>03/08/2021</a:t>
             </a:fld>
             <a:endParaRPr lang="es-ES"/>
           </a:p>
@@ -793,7 +905,7 @@
           <a:p>
             <a:fld id="{1C047EFF-C005-42C2-96C9-4E7CFE047116}" type="datetimeFigureOut">
               <a:rPr lang="es-ES" smtClean="0"/>
-              <a:t>30/04/2021</a:t>
+              <a:t>03/08/2021</a:t>
             </a:fld>
             <a:endParaRPr lang="es-ES"/>
           </a:p>
@@ -991,7 +1103,7 @@
           <a:p>
             <a:fld id="{1C047EFF-C005-42C2-96C9-4E7CFE047116}" type="datetimeFigureOut">
               <a:rPr lang="es-ES" smtClean="0"/>
-              <a:t>30/04/2021</a:t>
+              <a:t>03/08/2021</a:t>
             </a:fld>
             <a:endParaRPr lang="es-ES"/>
           </a:p>
@@ -1266,7 +1378,7 @@
           <a:p>
             <a:fld id="{1C047EFF-C005-42C2-96C9-4E7CFE047116}" type="datetimeFigureOut">
               <a:rPr lang="es-ES" smtClean="0"/>
-              <a:t>30/04/2021</a:t>
+              <a:t>03/08/2021</a:t>
             </a:fld>
             <a:endParaRPr lang="es-ES"/>
           </a:p>
@@ -1531,7 +1643,7 @@
           <a:p>
             <a:fld id="{1C047EFF-C005-42C2-96C9-4E7CFE047116}" type="datetimeFigureOut">
               <a:rPr lang="es-ES" smtClean="0"/>
-              <a:t>30/04/2021</a:t>
+              <a:t>03/08/2021</a:t>
             </a:fld>
             <a:endParaRPr lang="es-ES"/>
           </a:p>
@@ -1943,7 +2055,7 @@
           <a:p>
             <a:fld id="{1C047EFF-C005-42C2-96C9-4E7CFE047116}" type="datetimeFigureOut">
               <a:rPr lang="es-ES" smtClean="0"/>
-              <a:t>30/04/2021</a:t>
+              <a:t>03/08/2021</a:t>
             </a:fld>
             <a:endParaRPr lang="es-ES"/>
           </a:p>
@@ -2084,7 +2196,7 @@
           <a:p>
             <a:fld id="{1C047EFF-C005-42C2-96C9-4E7CFE047116}" type="datetimeFigureOut">
               <a:rPr lang="es-ES" smtClean="0"/>
-              <a:t>30/04/2021</a:t>
+              <a:t>03/08/2021</a:t>
             </a:fld>
             <a:endParaRPr lang="es-ES"/>
           </a:p>
@@ -2197,7 +2309,7 @@
           <a:p>
             <a:fld id="{1C047EFF-C005-42C2-96C9-4E7CFE047116}" type="datetimeFigureOut">
               <a:rPr lang="es-ES" smtClean="0"/>
-              <a:t>30/04/2021</a:t>
+              <a:t>03/08/2021</a:t>
             </a:fld>
             <a:endParaRPr lang="es-ES"/>
           </a:p>
@@ -2508,7 +2620,7 @@
           <a:p>
             <a:fld id="{1C047EFF-C005-42C2-96C9-4E7CFE047116}" type="datetimeFigureOut">
               <a:rPr lang="es-ES" smtClean="0"/>
-              <a:t>30/04/2021</a:t>
+              <a:t>03/08/2021</a:t>
             </a:fld>
             <a:endParaRPr lang="es-ES"/>
           </a:p>
@@ -2796,7 +2908,7 @@
           <a:p>
             <a:fld id="{1C047EFF-C005-42C2-96C9-4E7CFE047116}" type="datetimeFigureOut">
               <a:rPr lang="es-ES" smtClean="0"/>
-              <a:t>30/04/2021</a:t>
+              <a:t>03/08/2021</a:t>
             </a:fld>
             <a:endParaRPr lang="es-ES"/>
           </a:p>
@@ -3037,7 +3149,7 @@
           <a:p>
             <a:fld id="{1C047EFF-C005-42C2-96C9-4E7CFE047116}" type="datetimeFigureOut">
               <a:rPr lang="es-ES" smtClean="0"/>
-              <a:t>30/04/2021</a:t>
+              <a:t>03/08/2021</a:t>
             </a:fld>
             <a:endParaRPr lang="es-ES"/>
           </a:p>
@@ -3636,10 +3748,10 @@
       </p:grpSpPr>
       <p:pic>
         <p:nvPicPr>
-          <p:cNvPr id="3" name="Imagen 2">
-            <a:extLst>
-              <a:ext uri="{FF2B5EF4-FFF2-40B4-BE49-F238E27FC236}">
-                <a16:creationId xmlns:a16="http://schemas.microsoft.com/office/drawing/2014/main" id="{D927769E-DCF3-4F9A-8075-F590AA04FA64}"/>
+          <p:cNvPr id="4" name="Imagen 3" descr="Imagen de la pantalla de un video juego&#10;&#10;Descripción generada automáticamente con confianza baja">
+            <a:extLst>
+              <a:ext uri="{FF2B5EF4-FFF2-40B4-BE49-F238E27FC236}">
+                <a16:creationId xmlns:a16="http://schemas.microsoft.com/office/drawing/2014/main" id="{BD5A579D-632A-486C-88FB-4C7B9BB66756}"/>
               </a:ext>
             </a:extLst>
           </p:cNvPr>
@@ -3656,8 +3768,8 @@
         </p:blipFill>
         <p:spPr>
           <a:xfrm>
-            <a:off x="1264379" y="1078405"/>
-            <a:ext cx="3019846" cy="838317"/>
+            <a:off x="1183983" y="-9331"/>
+            <a:ext cx="6532638" cy="4189970"/>
           </a:xfrm>
           <a:prstGeom prst="rect">
             <a:avLst/>
@@ -3666,10 +3778,10 @@
       </p:pic>
       <p:pic>
         <p:nvPicPr>
-          <p:cNvPr id="5" name="Imagen 4">
-            <a:extLst>
-              <a:ext uri="{FF2B5EF4-FFF2-40B4-BE49-F238E27FC236}">
-                <a16:creationId xmlns:a16="http://schemas.microsoft.com/office/drawing/2014/main" id="{B75DBB8B-3B78-49A5-9F6D-95478A41D8C3}"/>
+          <p:cNvPr id="8" name="Imagen 7" descr="Diagrama, Esquemático&#10;&#10;Descripción generada automáticamente">
+            <a:extLst>
+              <a:ext uri="{FF2B5EF4-FFF2-40B4-BE49-F238E27FC236}">
+                <a16:creationId xmlns:a16="http://schemas.microsoft.com/office/drawing/2014/main" id="{593E3BDD-5ED6-422E-B4B9-1EF88DF10C94}"/>
               </a:ext>
             </a:extLst>
           </p:cNvPr>
@@ -3686,38 +3798,8 @@
         </p:blipFill>
         <p:spPr>
           <a:xfrm>
-            <a:off x="1264379" y="2477996"/>
-            <a:ext cx="2943636" cy="1057423"/>
-          </a:xfrm>
-          <a:prstGeom prst="rect">
-            <a:avLst/>
-          </a:prstGeom>
-        </p:spPr>
-      </p:pic>
-      <p:pic>
-        <p:nvPicPr>
-          <p:cNvPr id="7" name="Imagen 6">
-            <a:extLst>
-              <a:ext uri="{FF2B5EF4-FFF2-40B4-BE49-F238E27FC236}">
-                <a16:creationId xmlns:a16="http://schemas.microsoft.com/office/drawing/2014/main" id="{537CBAE9-E2B3-4FA3-B3E5-7867D6406295}"/>
-              </a:ext>
-            </a:extLst>
-          </p:cNvPr>
-          <p:cNvPicPr>
-            <a:picLocks noChangeAspect="1"/>
-          </p:cNvPicPr>
-          <p:nvPr/>
-        </p:nvPicPr>
-        <p:blipFill>
-          <a:blip r:embed="rId4"/>
-          <a:stretch>
-            <a:fillRect/>
-          </a:stretch>
-        </p:blipFill>
-        <p:spPr>
-          <a:xfrm>
-            <a:off x="4592614" y="838878"/>
-            <a:ext cx="3391373" cy="2810267"/>
+            <a:off x="1184988" y="4095230"/>
+            <a:ext cx="6606073" cy="2807581"/>
           </a:xfrm>
           <a:prstGeom prst="rect">
             <a:avLst/>
@@ -3754,6 +3836,216 @@
           <a:chExt cx="0" cy="0"/>
         </a:xfrm>
       </p:grpSpPr>
+      <p:pic>
+        <p:nvPicPr>
+          <p:cNvPr id="3" name="Imagen 2" descr="Diagrama&#10;&#10;Descripción generada automáticamente">
+            <a:extLst>
+              <a:ext uri="{FF2B5EF4-FFF2-40B4-BE49-F238E27FC236}">
+                <a16:creationId xmlns:a16="http://schemas.microsoft.com/office/drawing/2014/main" id="{354A659A-08A3-43A5-9847-BD37EC81DFDE}"/>
+              </a:ext>
+            </a:extLst>
+          </p:cNvPr>
+          <p:cNvPicPr>
+            <a:picLocks noChangeAspect="1"/>
+          </p:cNvPicPr>
+          <p:nvPr/>
+        </p:nvPicPr>
+        <p:blipFill>
+          <a:blip r:embed="rId2"/>
+          <a:stretch>
+            <a:fillRect/>
+          </a:stretch>
+        </p:blipFill>
+        <p:spPr>
+          <a:xfrm>
+            <a:off x="282059" y="1556491"/>
+            <a:ext cx="5544324" cy="4344006"/>
+          </a:xfrm>
+          <a:prstGeom prst="rect">
+            <a:avLst/>
+          </a:prstGeom>
+        </p:spPr>
+      </p:pic>
+      <p:pic>
+        <p:nvPicPr>
+          <p:cNvPr id="5" name="Imagen 4" descr="Texto&#10;&#10;Descripción generada automáticamente">
+            <a:extLst>
+              <a:ext uri="{FF2B5EF4-FFF2-40B4-BE49-F238E27FC236}">
+                <a16:creationId xmlns:a16="http://schemas.microsoft.com/office/drawing/2014/main" id="{D75C9759-8C04-4BDA-AA54-582352963965}"/>
+              </a:ext>
+            </a:extLst>
+          </p:cNvPr>
+          <p:cNvPicPr>
+            <a:picLocks noChangeAspect="1"/>
+          </p:cNvPicPr>
+          <p:nvPr/>
+        </p:nvPicPr>
+        <p:blipFill>
+          <a:blip r:embed="rId3"/>
+          <a:stretch>
+            <a:fillRect/>
+          </a:stretch>
+        </p:blipFill>
+        <p:spPr>
+          <a:xfrm>
+            <a:off x="5826383" y="1761307"/>
+            <a:ext cx="5468113" cy="3934374"/>
+          </a:xfrm>
+          <a:prstGeom prst="rect">
+            <a:avLst/>
+          </a:prstGeom>
+        </p:spPr>
+      </p:pic>
+    </p:spTree>
+    <p:extLst>
+      <p:ext uri="{BB962C8B-B14F-4D97-AF65-F5344CB8AC3E}">
+        <p14:creationId xmlns:p14="http://schemas.microsoft.com/office/powerpoint/2010/main" val="2329590683"/>
+      </p:ext>
+    </p:extLst>
+  </p:cSld>
+  <p:clrMapOvr>
+    <a:masterClrMapping/>
+  </p:clrMapOvr>
+</p:sld>
+</file>
+
+<file path=ppt/slides/slide4.xml><?xml version="1.0" encoding="utf-8"?>
+<p:sld xmlns:a="http://schemas.openxmlformats.org/drawingml/2006/main" xmlns:r="http://schemas.openxmlformats.org/officeDocument/2006/relationships" xmlns:p="http://schemas.openxmlformats.org/presentationml/2006/main">
+  <p:cSld>
+    <p:spTree>
+      <p:nvGrpSpPr>
+        <p:cNvPr id="1" name=""/>
+        <p:cNvGrpSpPr/>
+        <p:nvPr/>
+      </p:nvGrpSpPr>
+      <p:grpSpPr>
+        <a:xfrm>
+          <a:off x="0" y="0"/>
+          <a:ext cx="0" cy="0"/>
+          <a:chOff x="0" y="0"/>
+          <a:chExt cx="0" cy="0"/>
+        </a:xfrm>
+      </p:grpSpPr>
+      <p:pic>
+        <p:nvPicPr>
+          <p:cNvPr id="2" name="Imagen 1">
+            <a:extLst>
+              <a:ext uri="{FF2B5EF4-FFF2-40B4-BE49-F238E27FC236}">
+                <a16:creationId xmlns:a16="http://schemas.microsoft.com/office/drawing/2014/main" id="{54008698-7B82-4808-B06A-1C1A72A08D76}"/>
+              </a:ext>
+            </a:extLst>
+          </p:cNvPr>
+          <p:cNvPicPr>
+            <a:picLocks noChangeAspect="1"/>
+          </p:cNvPicPr>
+          <p:nvPr/>
+        </p:nvPicPr>
+        <p:blipFill>
+          <a:blip r:embed="rId2"/>
+          <a:stretch>
+            <a:fillRect/>
+          </a:stretch>
+        </p:blipFill>
+        <p:spPr>
+          <a:xfrm>
+            <a:off x="4510918" y="3668527"/>
+            <a:ext cx="3019846" cy="838317"/>
+          </a:xfrm>
+          <a:prstGeom prst="rect">
+            <a:avLst/>
+          </a:prstGeom>
+        </p:spPr>
+      </p:pic>
+      <p:pic>
+        <p:nvPicPr>
+          <p:cNvPr id="3" name="Imagen 2">
+            <a:extLst>
+              <a:ext uri="{FF2B5EF4-FFF2-40B4-BE49-F238E27FC236}">
+                <a16:creationId xmlns:a16="http://schemas.microsoft.com/office/drawing/2014/main" id="{0D083199-F003-41EB-9D24-CD4325EB2844}"/>
+              </a:ext>
+            </a:extLst>
+          </p:cNvPr>
+          <p:cNvPicPr>
+            <a:picLocks noChangeAspect="1"/>
+          </p:cNvPicPr>
+          <p:nvPr/>
+        </p:nvPicPr>
+        <p:blipFill>
+          <a:blip r:embed="rId3"/>
+          <a:stretch>
+            <a:fillRect/>
+          </a:stretch>
+        </p:blipFill>
+        <p:spPr>
+          <a:xfrm>
+            <a:off x="4510918" y="5068118"/>
+            <a:ext cx="2943636" cy="1057423"/>
+          </a:xfrm>
+          <a:prstGeom prst="rect">
+            <a:avLst/>
+          </a:prstGeom>
+        </p:spPr>
+      </p:pic>
+      <p:pic>
+        <p:nvPicPr>
+          <p:cNvPr id="4" name="Imagen 3">
+            <a:extLst>
+              <a:ext uri="{FF2B5EF4-FFF2-40B4-BE49-F238E27FC236}">
+                <a16:creationId xmlns:a16="http://schemas.microsoft.com/office/drawing/2014/main" id="{6A29C0F2-8F38-447E-A623-B80CDBAF2702}"/>
+              </a:ext>
+            </a:extLst>
+          </p:cNvPr>
+          <p:cNvPicPr>
+            <a:picLocks noChangeAspect="1"/>
+          </p:cNvPicPr>
+          <p:nvPr/>
+        </p:nvPicPr>
+        <p:blipFill>
+          <a:blip r:embed="rId4"/>
+          <a:stretch>
+            <a:fillRect/>
+          </a:stretch>
+        </p:blipFill>
+        <p:spPr>
+          <a:xfrm>
+            <a:off x="7839153" y="3429000"/>
+            <a:ext cx="3391373" cy="2810267"/>
+          </a:xfrm>
+          <a:prstGeom prst="rect">
+            <a:avLst/>
+          </a:prstGeom>
+        </p:spPr>
+      </p:pic>
+    </p:spTree>
+    <p:extLst>
+      <p:ext uri="{BB962C8B-B14F-4D97-AF65-F5344CB8AC3E}">
+        <p14:creationId xmlns:p14="http://schemas.microsoft.com/office/powerpoint/2010/main" val="4011816797"/>
+      </p:ext>
+    </p:extLst>
+  </p:cSld>
+  <p:clrMapOvr>
+    <a:masterClrMapping/>
+  </p:clrMapOvr>
+</p:sld>
+</file>
+
+<file path=ppt/slides/slide5.xml><?xml version="1.0" encoding="utf-8"?>
+<p:sld xmlns:a="http://schemas.openxmlformats.org/drawingml/2006/main" xmlns:r="http://schemas.openxmlformats.org/officeDocument/2006/relationships" xmlns:p="http://schemas.openxmlformats.org/presentationml/2006/main">
+  <p:cSld>
+    <p:spTree>
+      <p:nvGrpSpPr>
+        <p:cNvPr id="1" name=""/>
+        <p:cNvGrpSpPr/>
+        <p:nvPr/>
+      </p:nvGrpSpPr>
+      <p:grpSpPr>
+        <a:xfrm>
+          <a:off x="0" y="0"/>
+          <a:ext cx="0" cy="0"/>
+          <a:chOff x="0" y="0"/>
+          <a:chExt cx="0" cy="0"/>
+        </a:xfrm>
+      </p:grpSpPr>
       <p:sp>
         <p:nvSpPr>
           <p:cNvPr id="2" name="Elipse 1">
@@ -4313,7 +4605,7 @@
 </p:sld>
 </file>
 
-<file path=ppt/slides/slide4.xml><?xml version="1.0" encoding="utf-8"?>
+<file path=ppt/slides/slide6.xml><?xml version="1.0" encoding="utf-8"?>
 <p:sld xmlns:a="http://schemas.openxmlformats.org/drawingml/2006/main" xmlns:r="http://schemas.openxmlformats.org/officeDocument/2006/relationships" xmlns:p="http://schemas.openxmlformats.org/presentationml/2006/main">
   <p:cSld>
     <p:spTree>
